--- a/Acolyte/AcolytePresentation.pptx
+++ b/Acolyte/AcolytePresentation.pptx
@@ -20,8 +20,9 @@
     <p:sldId id="268" r:id="rId14"/>
     <p:sldId id="269" r:id="rId15"/>
     <p:sldId id="270" r:id="rId16"/>
-    <p:sldId id="271" r:id="rId17"/>
-    <p:sldId id="272" r:id="rId18"/>
+    <p:sldId id="273" r:id="rId17"/>
+    <p:sldId id="271" r:id="rId18"/>
+    <p:sldId id="272" r:id="rId19"/>
   </p:sldIdLst>
   <p:sldSz cx="12192000" cy="6858000"/>
   <p:notesSz cx="6858000" cy="9144000"/>
@@ -144,11 +145,15 @@
             <p14:sldId id="268"/>
             <p14:sldId id="269"/>
             <p14:sldId id="270"/>
+            <p14:sldId id="273"/>
             <p14:sldId id="271"/>
             <p14:sldId id="272"/>
           </p14:sldIdLst>
         </p14:section>
       </p14:sectionLst>
+    </p:ext>
+    <p:ext uri="{EFAFB233-063F-42B5-8137-9DF3F51BA10A}">
+      <p15:sldGuideLst xmlns:p15="http://schemas.microsoft.com/office/powerpoint/2012/main"/>
     </p:ext>
   </p:extLst>
 </p:presentation>
@@ -379,7 +384,7 @@
             <a:fld id="{5586B75A-687E-405C-8A0B-8D00578BA2C3}" type="datetimeFigureOut">
               <a:rPr lang="en-US" dirty="0"/>
               <a:pPr/>
-              <a:t>3/22/2019</a:t>
+              <a:t>3/23/2019</a:t>
             </a:fld>
             <a:endParaRPr lang="en-US" dirty="0"/>
           </a:p>
@@ -546,7 +551,7 @@
             <a:fld id="{5586B75A-687E-405C-8A0B-8D00578BA2C3}" type="datetimeFigureOut">
               <a:rPr lang="en-US" dirty="0"/>
               <a:pPr/>
-              <a:t>3/22/2019</a:t>
+              <a:t>3/23/2019</a:t>
             </a:fld>
             <a:endParaRPr lang="en-US" dirty="0"/>
           </a:p>
@@ -723,7 +728,7 @@
             <a:fld id="{5586B75A-687E-405C-8A0B-8D00578BA2C3}" type="datetimeFigureOut">
               <a:rPr lang="en-US" dirty="0"/>
               <a:pPr/>
-              <a:t>3/22/2019</a:t>
+              <a:t>3/23/2019</a:t>
             </a:fld>
             <a:endParaRPr lang="en-US" dirty="0"/>
           </a:p>
@@ -890,7 +895,7 @@
             <a:fld id="{5586B75A-687E-405C-8A0B-8D00578BA2C3}" type="datetimeFigureOut">
               <a:rPr lang="en-US" dirty="0"/>
               <a:pPr/>
-              <a:t>3/22/2019</a:t>
+              <a:t>3/23/2019</a:t>
             </a:fld>
             <a:endParaRPr lang="en-US" dirty="0"/>
           </a:p>
@@ -1141,7 +1146,7 @@
             <a:fld id="{5586B75A-687E-405C-8A0B-8D00578BA2C3}" type="datetimeFigureOut">
               <a:rPr lang="en-US" dirty="0"/>
               <a:pPr/>
-              <a:t>3/22/2019</a:t>
+              <a:t>3/23/2019</a:t>
             </a:fld>
             <a:endParaRPr lang="en-US" dirty="0"/>
           </a:p>
@@ -1426,7 +1431,7 @@
             <a:fld id="{5586B75A-687E-405C-8A0B-8D00578BA2C3}" type="datetimeFigureOut">
               <a:rPr lang="en-US" dirty="0"/>
               <a:pPr/>
-              <a:t>3/22/2019</a:t>
+              <a:t>3/23/2019</a:t>
             </a:fld>
             <a:endParaRPr lang="en-US" dirty="0"/>
           </a:p>
@@ -1865,7 +1870,7 @@
             <a:fld id="{5586B75A-687E-405C-8A0B-8D00578BA2C3}" type="datetimeFigureOut">
               <a:rPr lang="en-US" dirty="0"/>
               <a:pPr/>
-              <a:t>3/22/2019</a:t>
+              <a:t>3/23/2019</a:t>
             </a:fld>
             <a:endParaRPr lang="en-US" dirty="0"/>
           </a:p>
@@ -1980,7 +1985,7 @@
             <a:fld id="{5586B75A-687E-405C-8A0B-8D00578BA2C3}" type="datetimeFigureOut">
               <a:rPr lang="en-US" dirty="0"/>
               <a:pPr/>
-              <a:t>3/22/2019</a:t>
+              <a:t>3/23/2019</a:t>
             </a:fld>
             <a:endParaRPr lang="en-US" dirty="0"/>
           </a:p>
@@ -2072,7 +2077,7 @@
             <a:fld id="{5586B75A-687E-405C-8A0B-8D00578BA2C3}" type="datetimeFigureOut">
               <a:rPr lang="en-US" dirty="0"/>
               <a:pPr/>
-              <a:t>3/22/2019</a:t>
+              <a:t>3/23/2019</a:t>
             </a:fld>
             <a:endParaRPr lang="en-US" dirty="0"/>
           </a:p>
@@ -2357,7 +2362,7 @@
             <a:fld id="{5586B75A-687E-405C-8A0B-8D00578BA2C3}" type="datetimeFigureOut">
               <a:rPr lang="en-US" dirty="0"/>
               <a:pPr/>
-              <a:t>3/22/2019</a:t>
+              <a:t>3/23/2019</a:t>
             </a:fld>
             <a:endParaRPr lang="en-US" dirty="0"/>
           </a:p>
@@ -2627,7 +2632,7 @@
             <a:fld id="{5586B75A-687E-405C-8A0B-8D00578BA2C3}" type="datetimeFigureOut">
               <a:rPr lang="en-US" dirty="0"/>
               <a:pPr/>
-              <a:t>3/22/2019</a:t>
+              <a:t>3/23/2019</a:t>
             </a:fld>
             <a:endParaRPr lang="en-US" dirty="0"/>
           </a:p>
@@ -2921,7 +2926,7 @@
             <a:fld id="{5586B75A-687E-405C-8A0B-8D00578BA2C3}" type="datetimeFigureOut">
               <a:rPr lang="en-US" dirty="0"/>
               <a:pPr/>
-              <a:t>3/22/2019</a:t>
+              <a:t>3/23/2019</a:t>
             </a:fld>
             <a:endParaRPr lang="en-US" dirty="0"/>
           </a:p>
@@ -4182,6 +4187,118 @@
           <p:cNvPr id="2" name="Title 1">
             <a:extLst>
               <a:ext uri="{FF2B5EF4-FFF2-40B4-BE49-F238E27FC236}">
+                <a16:creationId xmlns:a16="http://schemas.microsoft.com/office/drawing/2014/main" id="{9E9F7C2D-2D66-4EC2-9764-37D1DFD75BC3}"/>
+              </a:ext>
+            </a:extLst>
+          </p:cNvPr>
+          <p:cNvSpPr>
+            <a:spLocks noGrp="1"/>
+          </p:cNvSpPr>
+          <p:nvPr>
+            <p:ph type="title"/>
+          </p:nvPr>
+        </p:nvSpPr>
+        <p:spPr/>
+        <p:txBody>
+          <a:bodyPr/>
+          <a:lstStyle/>
+          <a:p>
+            <a:r>
+              <a:rPr lang="en-US" dirty="0"/>
+              <a:t>Design Trade-Offs</a:t>
+            </a:r>
+          </a:p>
+        </p:txBody>
+      </p:sp>
+      <p:sp>
+        <p:nvSpPr>
+          <p:cNvPr id="3" name="Content Placeholder 2">
+            <a:extLst>
+              <a:ext uri="{FF2B5EF4-FFF2-40B4-BE49-F238E27FC236}">
+                <a16:creationId xmlns:a16="http://schemas.microsoft.com/office/drawing/2014/main" id="{8C02AFD2-BF81-4A9C-9906-2F1AAE7632F8}"/>
+              </a:ext>
+            </a:extLst>
+          </p:cNvPr>
+          <p:cNvSpPr>
+            <a:spLocks noGrp="1"/>
+          </p:cNvSpPr>
+          <p:nvPr>
+            <p:ph idx="1"/>
+          </p:nvPr>
+        </p:nvSpPr>
+        <p:spPr/>
+        <p:txBody>
+          <a:bodyPr/>
+          <a:lstStyle/>
+          <a:p>
+            <a:r>
+              <a:rPr lang="en-US" dirty="0"/>
+              <a:t>Windows only vs. OS Agnostic</a:t>
+            </a:r>
+          </a:p>
+          <a:p>
+            <a:pPr lvl="1"/>
+            <a:r>
+              <a:rPr lang="en-US" dirty="0"/>
+              <a:t>Each OS has different services</a:t>
+            </a:r>
+          </a:p>
+          <a:p>
+            <a:pPr lvl="1"/>
+            <a:r>
+              <a:rPr lang="en-US" dirty="0"/>
+              <a:t>Each OS has different drivers</a:t>
+            </a:r>
+          </a:p>
+          <a:p>
+            <a:pPr lvl="1"/>
+            <a:r>
+              <a:rPr lang="en-US" dirty="0"/>
+              <a:t>Picking one OS lets us get proof of concept out the </a:t>
+            </a:r>
+            <a:r>
+              <a:rPr lang="en-US"/>
+              <a:t>door faster</a:t>
+            </a:r>
+            <a:endParaRPr lang="en-US" dirty="0"/>
+          </a:p>
+        </p:txBody>
+      </p:sp>
+    </p:spTree>
+    <p:extLst>
+      <p:ext uri="{BB962C8B-B14F-4D97-AF65-F5344CB8AC3E}">
+        <p14:creationId xmlns:p14="http://schemas.microsoft.com/office/powerpoint/2010/main" val="2354717591"/>
+      </p:ext>
+    </p:extLst>
+  </p:cSld>
+  <p:clrMapOvr>
+    <a:masterClrMapping/>
+  </p:clrMapOvr>
+</p:sld>
+</file>
+
+<file path=ppt/slides/slide17.xml><?xml version="1.0" encoding="utf-8"?>
+<p:sld xmlns:a="http://schemas.openxmlformats.org/drawingml/2006/main" xmlns:r="http://schemas.openxmlformats.org/officeDocument/2006/relationships" xmlns:p="http://schemas.openxmlformats.org/presentationml/2006/main">
+  <p:cSld>
+    <p:spTree>
+      <p:nvGrpSpPr>
+        <p:cNvPr id="1" name=""/>
+        <p:cNvGrpSpPr/>
+        <p:nvPr/>
+      </p:nvGrpSpPr>
+      <p:grpSpPr>
+        <a:xfrm>
+          <a:off x="0" y="0"/>
+          <a:ext cx="0" cy="0"/>
+          <a:chOff x="0" y="0"/>
+          <a:chExt cx="0" cy="0"/>
+        </a:xfrm>
+      </p:grpSpPr>
+      <p:sp>
+        <p:nvSpPr>
+          <p:cNvPr id="2" name="Title 1">
+            <a:extLst>
+              <a:ext uri="{FF2B5EF4-FFF2-40B4-BE49-F238E27FC236}">
                 <a16:creationId xmlns:a16="http://schemas.microsoft.com/office/drawing/2014/main" id="{298BB48E-F41B-4B44-9AE6-B41382761ABF}"/>
               </a:ext>
             </a:extLst>
@@ -4290,7 +4407,7 @@
 </p:sld>
 </file>
 
-<file path=ppt/slides/slide17.xml><?xml version="1.0" encoding="utf-8"?>
+<file path=ppt/slides/slide18.xml><?xml version="1.0" encoding="utf-8"?>
 <p:sld xmlns:a="http://schemas.openxmlformats.org/drawingml/2006/main" xmlns:r="http://schemas.openxmlformats.org/officeDocument/2006/relationships" xmlns:p="http://schemas.openxmlformats.org/presentationml/2006/main">
   <p:cSld>
     <p:spTree>
@@ -5107,27 +5224,27 @@
           <a:p>
             <a:r>
               <a:rPr lang="en-US" dirty="0"/>
-              <a:t>Hardware Repository</a:t>
+              <a:t>Shared Infrastructure</a:t>
             </a:r>
           </a:p>
           <a:p>
             <a:pPr lvl="1"/>
             <a:r>
               <a:rPr lang="en-US" dirty="0"/>
-              <a:t>Classes for audio, monitors, networks, and Bluetooth</a:t>
-            </a:r>
-          </a:p>
-          <a:p>
-            <a:r>
-              <a:rPr lang="en-US" dirty="0"/>
-              <a:t>Windows Services Repository</a:t>
+              <a:t>Classes for Security, Communication, Shared Services</a:t>
+            </a:r>
+          </a:p>
+          <a:p>
+            <a:r>
+              <a:rPr lang="en-US" dirty="0"/>
+              <a:t>External Components</a:t>
             </a:r>
           </a:p>
           <a:p>
             <a:pPr lvl="1"/>
             <a:r>
               <a:rPr lang="en-US" dirty="0"/>
-              <a:t>Classes for services like system diagnostics</a:t>
+              <a:t>Hardware and device drivers at this layer</a:t>
             </a:r>
           </a:p>
         </p:txBody>
@@ -5213,40 +5330,47 @@
           <a:p>
             <a:r>
               <a:rPr lang="en-US" dirty="0"/>
-              <a:t>User Input Interface</a:t>
+              <a:t>Hardware Abstraction</a:t>
             </a:r>
           </a:p>
           <a:p>
             <a:pPr lvl="1"/>
             <a:r>
               <a:rPr lang="en-US" dirty="0"/>
-              <a:t>Handles voice commands, keyboard shortcuts, and UI functions</a:t>
-            </a:r>
-          </a:p>
-          <a:p>
-            <a:r>
-              <a:rPr lang="en-US" dirty="0"/>
-              <a:t>Hardware Interface</a:t>
+              <a:t>Component for instantiating classes for hardware objects</a:t>
+            </a:r>
+          </a:p>
+          <a:p>
+            <a:pPr lvl="2"/>
+            <a:r>
+              <a:rPr lang="en-US" dirty="0"/>
+              <a:t>E.g., monitors, speakers, etc.</a:t>
+            </a:r>
+          </a:p>
+          <a:p>
+            <a:r>
+              <a:rPr lang="en-US" dirty="0"/>
+              <a:t>Application Logic</a:t>
             </a:r>
           </a:p>
           <a:p>
             <a:pPr lvl="1"/>
             <a:r>
               <a:rPr lang="en-US" dirty="0"/>
-              <a:t>Retrieves hardware data and sets configuration settings (volume, brightness, etc.)</a:t>
-            </a:r>
-          </a:p>
-          <a:p>
-            <a:r>
-              <a:rPr lang="en-US" dirty="0"/>
-              <a:t>Services Interface</a:t>
+              <a:t>Runs applications, navigates browsers, sets configurations</a:t>
+            </a:r>
+          </a:p>
+          <a:p>
+            <a:r>
+              <a:rPr lang="en-US" dirty="0"/>
+              <a:t>Acolyte WPF</a:t>
             </a:r>
           </a:p>
           <a:p>
             <a:pPr lvl="1"/>
             <a:r>
               <a:rPr lang="en-US" dirty="0"/>
-              <a:t>Runs applications, navigates browsers, etc.</a:t>
+              <a:t>Handles user input. Invokes Application Logic layer, presents results</a:t>
             </a:r>
           </a:p>
         </p:txBody>
@@ -5332,7 +5456,7 @@
           <a:p>
             <a:r>
               <a:rPr lang="en-US" dirty="0"/>
-              <a:t>Acolyte Service</a:t>
+              <a:t>Acolyte High Level Workflow</a:t>
             </a:r>
           </a:p>
           <a:p>
